--- a/Web Tech.pptx
+++ b/Web Tech.pptx
@@ -15,35 +15,35 @@
   <p:notesSz cx="6858000" cy="9144000"/>
   <p:embeddedFontLst>
     <p:embeddedFont>
-      <p:font typeface="Calibri Light" panose="020F0302020204030204" pitchFamily="34" charset="0"/>
+      <p:font typeface="Cordia New" panose="020B0304020202020204" pitchFamily="34" charset="-34"/>
       <p:regular r:id="rId7"/>
-      <p:italic r:id="rId8"/>
+      <p:bold r:id="rId8"/>
+      <p:italic r:id="rId9"/>
+      <p:boldItalic r:id="rId10"/>
     </p:embeddedFont>
     <p:embeddedFont>
-      <p:font typeface="RSU" panose="02000506040000020003" pitchFamily="2" charset="-34"/>
-      <p:regular r:id="rId9"/>
-      <p:bold r:id="rId10"/>
-    </p:embeddedFont>
-    <p:embeddedFont>
-      <p:font typeface="Cordia New" panose="020B0304020202020204" pitchFamily="34" charset="-34"/>
+      <p:font typeface="Calibri" panose="020F0502020204030204" pitchFamily="34" charset="0"/>
       <p:regular r:id="rId11"/>
       <p:bold r:id="rId12"/>
       <p:italic r:id="rId13"/>
       <p:boldItalic r:id="rId14"/>
     </p:embeddedFont>
     <p:embeddedFont>
-      <p:font typeface="Calibri" panose="020F0502020204030204" pitchFamily="34" charset="0"/>
+      <p:font typeface="RSU" panose="02000506040000020003" pitchFamily="2" charset="-34"/>
       <p:regular r:id="rId15"/>
       <p:bold r:id="rId16"/>
-      <p:italic r:id="rId17"/>
-      <p:boldItalic r:id="rId18"/>
     </p:embeddedFont>
     <p:embeddedFont>
       <p:font typeface="Angsana New" panose="02020603050405020304" pitchFamily="18" charset="-34"/>
-      <p:regular r:id="rId19"/>
-      <p:bold r:id="rId20"/>
-      <p:italic r:id="rId21"/>
-      <p:boldItalic r:id="rId22"/>
+      <p:regular r:id="rId17"/>
+      <p:bold r:id="rId18"/>
+      <p:italic r:id="rId19"/>
+      <p:boldItalic r:id="rId20"/>
+    </p:embeddedFont>
+    <p:embeddedFont>
+      <p:font typeface="Calibri Light" panose="020F0302020204030204" pitchFamily="34" charset="0"/>
+      <p:regular r:id="rId21"/>
+      <p:italic r:id="rId22"/>
     </p:embeddedFont>
   </p:embeddedFontLst>
   <p:defaultTextStyle>
@@ -3145,8 +3145,8 @@
         </p:nvSpPr>
         <p:spPr>
           <a:xfrm>
-            <a:off x="0" y="2463584"/>
-            <a:ext cx="3529263" cy="1325563"/>
+            <a:off x="4467432" y="825665"/>
+            <a:ext cx="4064397" cy="886072"/>
           </a:xfrm>
         </p:spPr>
         <p:txBody>
@@ -3157,33 +3157,47 @@
           <a:p>
             <a:pPr algn="ctr"/>
             <a:r>
-              <a:rPr lang="th-TH" sz="3600" dirty="0" smtClean="0">
+              <a:rPr lang="th-TH" sz="4800" dirty="0" smtClean="0">
+                <a:solidFill>
+                  <a:schemeClr val="accent2">
+                    <a:lumMod val="75000"/>
+                  </a:schemeClr>
+                </a:solidFill>
                 <a:latin typeface="RSU" panose="02000506040000020003" pitchFamily="2" charset="-34"/>
                 <a:cs typeface="RSU" panose="02000506040000020003" pitchFamily="2" charset="-34"/>
               </a:rPr>
               <a:t>เนื้อหา</a:t>
             </a:r>
             <a:r>
-              <a:rPr lang="th-TH" sz="3600" dirty="0">
+              <a:rPr lang="en-US" sz="4800" dirty="0" smtClean="0">
+                <a:solidFill>
+                  <a:schemeClr val="accent2">
+                    <a:lumMod val="75000"/>
+                  </a:schemeClr>
+                </a:solidFill>
                 <a:latin typeface="RSU" panose="02000506040000020003" pitchFamily="2" charset="-34"/>
                 <a:cs typeface="RSU" panose="02000506040000020003" pitchFamily="2" charset="-34"/>
               </a:rPr>
-              <a:t/>
-            </a:r>
-            <a:br>
-              <a:rPr lang="th-TH" sz="3600" dirty="0">
-                <a:latin typeface="RSU" panose="02000506040000020003" pitchFamily="2" charset="-34"/>
-                <a:cs typeface="RSU" panose="02000506040000020003" pitchFamily="2" charset="-34"/>
-              </a:rPr>
-            </a:br>
-            <a:r>
-              <a:rPr lang="th-TH" sz="3600" dirty="0" smtClean="0">
+              <a:t>/</a:t>
+            </a:r>
+            <a:r>
+              <a:rPr lang="th-TH" sz="4800" dirty="0" smtClean="0">
+                <a:solidFill>
+                  <a:schemeClr val="accent2">
+                    <a:lumMod val="75000"/>
+                  </a:schemeClr>
+                </a:solidFill>
                 <a:latin typeface="RSU" panose="02000506040000020003" pitchFamily="2" charset="-34"/>
                 <a:cs typeface="RSU" panose="02000506040000020003" pitchFamily="2" charset="-34"/>
               </a:rPr>
               <a:t>ขอบเขต</a:t>
             </a:r>
-            <a:endParaRPr lang="en-US" sz="3600" dirty="0">
+            <a:endParaRPr lang="en-US" sz="4800" dirty="0">
+              <a:solidFill>
+                <a:schemeClr val="accent2">
+                  <a:lumMod val="75000"/>
+                </a:schemeClr>
+              </a:solidFill>
               <a:latin typeface="RSU" panose="02000506040000020003" pitchFamily="2" charset="-34"/>
               <a:cs typeface="RSU" panose="02000506040000020003" pitchFamily="2" charset="-34"/>
             </a:endParaRPr>
@@ -3198,8 +3212,8 @@
         </p:nvSpPr>
         <p:spPr>
           <a:xfrm>
-            <a:off x="3265715" y="1188952"/>
-            <a:ext cx="7924799" cy="4154984"/>
+            <a:off x="1966305" y="1435010"/>
+            <a:ext cx="9090716" cy="4154984"/>
           </a:xfrm>
           <a:prstGeom prst="rect">
             <a:avLst/>
@@ -3224,11 +3238,25 @@
               </a:lnSpc>
             </a:pPr>
             <a:r>
+              <a:rPr lang="en-US" sz="2800" dirty="0" smtClean="0">
+                <a:latin typeface="RSU" panose="02000506040000020003" pitchFamily="2" charset="-34"/>
+                <a:cs typeface="RSU" panose="02000506040000020003" pitchFamily="2" charset="-34"/>
+              </a:rPr>
+              <a:t>	</a:t>
+            </a:r>
+            <a:r>
               <a:rPr lang="th-TH" sz="2800" dirty="0" smtClean="0">
                 <a:latin typeface="RSU" panose="02000506040000020003" pitchFamily="2" charset="-34"/>
                 <a:cs typeface="RSU" panose="02000506040000020003" pitchFamily="2" charset="-34"/>
               </a:rPr>
-              <a:t>เกี่ยวกับความเข้าใจการเขียนโปรแกรมเชิงวัตถุ และการเขียนภาษา </a:t>
+              <a:t>เนื้อหาเกี่ยวกับ</a:t>
+            </a:r>
+            <a:r>
+              <a:rPr lang="th-TH" sz="2800" dirty="0" smtClean="0">
+                <a:latin typeface="RSU" panose="02000506040000020003" pitchFamily="2" charset="-34"/>
+                <a:cs typeface="RSU" panose="02000506040000020003" pitchFamily="2" charset="-34"/>
+              </a:rPr>
+              <a:t>ความเข้าใจการเขียนโปรแกรมเชิงวัตถุ และการเขียนภาษา </a:t>
             </a:r>
             <a:r>
               <a:rPr lang="en-US" sz="2800" dirty="0" smtClean="0">
@@ -3525,43 +3553,6 @@
           <a:chExt cx="0" cy="0"/>
         </a:xfrm>
       </p:grpSpPr>
-      <p:sp>
-        <p:nvSpPr>
-          <p:cNvPr id="2" name="ชื่อเรื่อง 1"/>
-          <p:cNvSpPr>
-            <a:spLocks noGrp="1"/>
-          </p:cNvSpPr>
-          <p:nvPr>
-            <p:ph type="title"/>
-          </p:nvPr>
-        </p:nvSpPr>
-        <p:spPr>
-          <a:xfrm>
-            <a:off x="4524568" y="2050752"/>
-            <a:ext cx="3192379" cy="1325563"/>
-          </a:xfrm>
-        </p:spPr>
-        <p:txBody>
-          <a:bodyPr>
-            <a:normAutofit/>
-          </a:bodyPr>
-          <a:lstStyle/>
-          <a:p>
-            <a:pPr algn="ctr"/>
-            <a:r>
-              <a:rPr lang="th-TH" sz="3600" u="sng" dirty="0" smtClean="0">
-                <a:latin typeface="RSU" panose="02000506040000020003" pitchFamily="2" charset="-34"/>
-                <a:cs typeface="RSU" panose="02000506040000020003" pitchFamily="2" charset="-34"/>
-              </a:rPr>
-              <a:t>เครื่องมือที่เลือกใช้</a:t>
-            </a:r>
-            <a:endParaRPr lang="en-US" sz="3600" u="sng" dirty="0">
-              <a:latin typeface="RSU" panose="02000506040000020003" pitchFamily="2" charset="-34"/>
-              <a:cs typeface="RSU" panose="02000506040000020003" pitchFamily="2" charset="-34"/>
-            </a:endParaRPr>
-          </a:p>
-        </p:txBody>
-      </p:sp>
       <p:pic>
         <p:nvPicPr>
           <p:cNvPr id="5" name="รูปภาพ 4"/>
@@ -3584,7 +3575,7 @@
         </p:blipFill>
         <p:spPr>
           <a:xfrm>
-            <a:off x="1824789" y="1647909"/>
+            <a:off x="2026566" y="1954538"/>
             <a:ext cx="1578345" cy="1325563"/>
           </a:xfrm>
           <a:prstGeom prst="rect">
@@ -3614,7 +3605,7 @@
         </p:blipFill>
         <p:spPr>
           <a:xfrm>
-            <a:off x="8838382" y="1512684"/>
+            <a:off x="8561648" y="1929848"/>
             <a:ext cx="2337261" cy="1460788"/>
           </a:xfrm>
           <a:prstGeom prst="rect">
@@ -3644,7 +3635,7 @@
         </p:blipFill>
         <p:spPr>
           <a:xfrm>
-            <a:off x="4243965" y="3905019"/>
+            <a:off x="4057577" y="4419301"/>
             <a:ext cx="3572896" cy="2383094"/>
           </a:xfrm>
           <a:prstGeom prst="rect">
@@ -3660,7 +3651,7 @@
         </p:nvSpPr>
         <p:spPr>
           <a:xfrm>
-            <a:off x="1824789" y="2973472"/>
+            <a:off x="2026566" y="3227816"/>
             <a:ext cx="1578345" cy="523220"/>
           </a:xfrm>
           <a:prstGeom prst="rect">
@@ -3697,7 +3688,7 @@
         </p:nvSpPr>
         <p:spPr>
           <a:xfrm>
-            <a:off x="9424736" y="2713534"/>
+            <a:off x="8941107" y="3226144"/>
             <a:ext cx="1578345" cy="523220"/>
           </a:xfrm>
           <a:prstGeom prst="rect">
@@ -3734,7 +3725,7 @@
         </p:nvSpPr>
         <p:spPr>
           <a:xfrm>
-            <a:off x="4243965" y="5866846"/>
+            <a:off x="3946626" y="6279175"/>
             <a:ext cx="3554441" cy="523220"/>
           </a:xfrm>
           <a:prstGeom prst="rect">
@@ -3760,6 +3751,269 @@
               <a:latin typeface="RSU" panose="02000506040000020003" pitchFamily="2" charset="-34"/>
               <a:cs typeface="RSU" panose="02000506040000020003" pitchFamily="2" charset="-34"/>
             </a:endParaRPr>
+          </a:p>
+        </p:txBody>
+      </p:sp>
+      <p:pic>
+        <p:nvPicPr>
+          <p:cNvPr id="3" name="รูปภาพ 2"/>
+          <p:cNvPicPr>
+            <a:picLocks noChangeAspect="1"/>
+          </p:cNvPicPr>
+          <p:nvPr/>
+        </p:nvPicPr>
+        <p:blipFill>
+          <a:blip r:embed="rId5">
+            <a:extLst>
+              <a:ext uri="{28A0092B-C50C-407E-A947-70E740481C1C}">
+                <a14:useLocalDpi xmlns:a14="http://schemas.microsoft.com/office/drawing/2010/main" val="0"/>
+              </a:ext>
+            </a:extLst>
+          </a:blip>
+          <a:stretch>
+            <a:fillRect/>
+          </a:stretch>
+        </p:blipFill>
+        <p:spPr>
+          <a:xfrm>
+            <a:off x="4135204" y="1283273"/>
+            <a:ext cx="3365863" cy="3365863"/>
+          </a:xfrm>
+          <a:prstGeom prst="rect">
+            <a:avLst/>
+          </a:prstGeom>
+        </p:spPr>
+      </p:pic>
+      <p:sp>
+        <p:nvSpPr>
+          <p:cNvPr id="2" name="ชื่อเรื่อง 1"/>
+          <p:cNvSpPr>
+            <a:spLocks noGrp="1"/>
+          </p:cNvSpPr>
+          <p:nvPr>
+            <p:ph type="title"/>
+          </p:nvPr>
+        </p:nvSpPr>
+        <p:spPr>
+          <a:xfrm>
+            <a:off x="4247836" y="2303424"/>
+            <a:ext cx="3192379" cy="1325563"/>
+          </a:xfrm>
+        </p:spPr>
+        <p:txBody>
+          <a:bodyPr>
+            <a:normAutofit/>
+          </a:bodyPr>
+          <a:lstStyle/>
+          <a:p>
+            <a:pPr algn="ctr"/>
+            <a:r>
+              <a:rPr lang="th-TH" sz="3600" dirty="0" smtClean="0">
+                <a:latin typeface="RSU" panose="02000506040000020003" pitchFamily="2" charset="-34"/>
+                <a:cs typeface="RSU" panose="02000506040000020003" pitchFamily="2" charset="-34"/>
+              </a:rPr>
+              <a:t>เครื่องมือที่เลือกใช้</a:t>
+            </a:r>
+            <a:endParaRPr lang="en-US" sz="3600" dirty="0">
+              <a:latin typeface="RSU" panose="02000506040000020003" pitchFamily="2" charset="-34"/>
+              <a:cs typeface="RSU" panose="02000506040000020003" pitchFamily="2" charset="-34"/>
+            </a:endParaRPr>
+          </a:p>
+        </p:txBody>
+      </p:sp>
+      <p:sp>
+        <p:nvSpPr>
+          <p:cNvPr id="4" name="วงรี 3"/>
+          <p:cNvSpPr/>
+          <p:nvPr/>
+        </p:nvSpPr>
+        <p:spPr>
+          <a:xfrm>
+            <a:off x="2442406" y="914409"/>
+            <a:ext cx="6870031" cy="4283242"/>
+          </a:xfrm>
+          <a:prstGeom prst="ellipse">
+            <a:avLst/>
+          </a:prstGeom>
+          <a:noFill/>
+          <a:ln>
+            <a:solidFill>
+              <a:schemeClr val="bg1">
+                <a:lumMod val="50000"/>
+              </a:schemeClr>
+            </a:solidFill>
+            <a:prstDash val="dash"/>
+          </a:ln>
+        </p:spPr>
+        <p:style>
+          <a:lnRef idx="2">
+            <a:schemeClr val="accent1">
+              <a:shade val="50000"/>
+            </a:schemeClr>
+          </a:lnRef>
+          <a:fillRef idx="1">
+            <a:schemeClr val="accent1"/>
+          </a:fillRef>
+          <a:effectRef idx="0">
+            <a:schemeClr val="accent1"/>
+          </a:effectRef>
+          <a:fontRef idx="minor">
+            <a:schemeClr val="lt1"/>
+          </a:fontRef>
+        </p:style>
+        <p:txBody>
+          <a:bodyPr rtlCol="0" anchor="ctr"/>
+          <a:lstStyle/>
+          <a:p>
+            <a:pPr algn="ctr"/>
+            <a:endParaRPr lang="en-US"/>
+          </a:p>
+        </p:txBody>
+      </p:sp>
+      <p:sp>
+        <p:nvSpPr>
+          <p:cNvPr id="11" name="วงรี 10"/>
+          <p:cNvSpPr/>
+          <p:nvPr/>
+        </p:nvSpPr>
+        <p:spPr>
+          <a:xfrm>
+            <a:off x="1828794" y="574038"/>
+            <a:ext cx="8073189" cy="5177066"/>
+          </a:xfrm>
+          <a:prstGeom prst="ellipse">
+            <a:avLst/>
+          </a:prstGeom>
+          <a:noFill/>
+          <a:ln>
+            <a:solidFill>
+              <a:schemeClr val="bg1">
+                <a:lumMod val="50000"/>
+              </a:schemeClr>
+            </a:solidFill>
+            <a:prstDash val="dash"/>
+          </a:ln>
+        </p:spPr>
+        <p:style>
+          <a:lnRef idx="2">
+            <a:schemeClr val="accent1">
+              <a:shade val="50000"/>
+            </a:schemeClr>
+          </a:lnRef>
+          <a:fillRef idx="1">
+            <a:schemeClr val="accent1"/>
+          </a:fillRef>
+          <a:effectRef idx="0">
+            <a:schemeClr val="accent1"/>
+          </a:effectRef>
+          <a:fontRef idx="minor">
+            <a:schemeClr val="lt1"/>
+          </a:fontRef>
+        </p:style>
+        <p:txBody>
+          <a:bodyPr rtlCol="0" anchor="ctr"/>
+          <a:lstStyle/>
+          <a:p>
+            <a:pPr algn="ctr"/>
+            <a:endParaRPr lang="en-US"/>
+          </a:p>
+        </p:txBody>
+      </p:sp>
+      <p:sp>
+        <p:nvSpPr>
+          <p:cNvPr id="12" name="วงรี 11"/>
+          <p:cNvSpPr/>
+          <p:nvPr/>
+        </p:nvSpPr>
+        <p:spPr>
+          <a:xfrm>
+            <a:off x="3192415" y="1435023"/>
+            <a:ext cx="5530474" cy="3214113"/>
+          </a:xfrm>
+          <a:prstGeom prst="ellipse">
+            <a:avLst/>
+          </a:prstGeom>
+          <a:noFill/>
+          <a:ln>
+            <a:solidFill>
+              <a:schemeClr val="bg1">
+                <a:lumMod val="50000"/>
+              </a:schemeClr>
+            </a:solidFill>
+            <a:prstDash val="dash"/>
+          </a:ln>
+        </p:spPr>
+        <p:style>
+          <a:lnRef idx="2">
+            <a:schemeClr val="accent1">
+              <a:shade val="50000"/>
+            </a:schemeClr>
+          </a:lnRef>
+          <a:fillRef idx="1">
+            <a:schemeClr val="accent1"/>
+          </a:fillRef>
+          <a:effectRef idx="0">
+            <a:schemeClr val="accent1"/>
+          </a:effectRef>
+          <a:fontRef idx="minor">
+            <a:schemeClr val="lt1"/>
+          </a:fontRef>
+        </p:style>
+        <p:txBody>
+          <a:bodyPr rtlCol="0" anchor="ctr"/>
+          <a:lstStyle/>
+          <a:p>
+            <a:pPr algn="ctr"/>
+            <a:endParaRPr lang="en-US"/>
+          </a:p>
+        </p:txBody>
+      </p:sp>
+      <p:sp>
+        <p:nvSpPr>
+          <p:cNvPr id="13" name="วงรี 12"/>
+          <p:cNvSpPr/>
+          <p:nvPr/>
+        </p:nvSpPr>
+        <p:spPr>
+          <a:xfrm>
+            <a:off x="935726" y="250667"/>
+            <a:ext cx="10140102" cy="5806569"/>
+          </a:xfrm>
+          <a:prstGeom prst="ellipse">
+            <a:avLst/>
+          </a:prstGeom>
+          <a:noFill/>
+          <a:ln>
+            <a:solidFill>
+              <a:schemeClr val="bg1">
+                <a:lumMod val="50000"/>
+              </a:schemeClr>
+            </a:solidFill>
+            <a:prstDash val="dash"/>
+          </a:ln>
+        </p:spPr>
+        <p:style>
+          <a:lnRef idx="2">
+            <a:schemeClr val="accent1">
+              <a:shade val="50000"/>
+            </a:schemeClr>
+          </a:lnRef>
+          <a:fillRef idx="1">
+            <a:schemeClr val="accent1"/>
+          </a:fillRef>
+          <a:effectRef idx="0">
+            <a:schemeClr val="accent1"/>
+          </a:effectRef>
+          <a:fontRef idx="minor">
+            <a:schemeClr val="lt1"/>
+          </a:fontRef>
+        </p:style>
+        <p:txBody>
+          <a:bodyPr rtlCol="0" anchor="ctr"/>
+          <a:lstStyle/>
+          <a:p>
+            <a:pPr algn="ctr"/>
+            <a:endParaRPr lang="en-US"/>
           </a:p>
         </p:txBody>
       </p:sp>
